--- a/SDD 관련 자료/작업 결과물/프로그램 구조도(트랜스폼, 트랜젝션)/강의평가 질문 등록.pptx
+++ b/SDD 관련 자료/작업 결과물/프로그램 구조도(트랜스폼, 트랜젝션)/강의평가 질문 등록.pptx
@@ -239,7 +239,7 @@
             <a:fld id="{30205149-083B-4E52-BE45-474D1FA26F91}" type="datetimeFigureOut">
               <a:rPr lang="ko-KR" altLang="en-US" smtClean="0"/>
               <a:pPr/>
-              <a:t>2016-05-30</a:t>
+              <a:t>2016-05-31</a:t>
             </a:fld>
             <a:endParaRPr lang="ko-KR" altLang="en-US"/>
           </a:p>
@@ -291,7 +291,7 @@
     </p:spTree>
     <p:extLst>
       <p:ext uri="{BB962C8B-B14F-4D97-AF65-F5344CB8AC3E}">
-        <p14:creationId xmlns="" xmlns:p14="http://schemas.microsoft.com/office/powerpoint/2010/main" val="2890621274"/>
+        <p14:creationId xmlns:p14="http://schemas.microsoft.com/office/powerpoint/2010/main" xmlns="" val="2890621274"/>
       </p:ext>
     </p:extLst>
   </p:cSld>
@@ -411,7 +411,7 @@
             <a:fld id="{30205149-083B-4E52-BE45-474D1FA26F91}" type="datetimeFigureOut">
               <a:rPr lang="ko-KR" altLang="en-US" smtClean="0"/>
               <a:pPr/>
-              <a:t>2016-05-30</a:t>
+              <a:t>2016-05-31</a:t>
             </a:fld>
             <a:endParaRPr lang="ko-KR" altLang="en-US"/>
           </a:p>
@@ -463,7 +463,7 @@
     </p:spTree>
     <p:extLst>
       <p:ext uri="{BB962C8B-B14F-4D97-AF65-F5344CB8AC3E}">
-        <p14:creationId xmlns="" xmlns:p14="http://schemas.microsoft.com/office/powerpoint/2010/main" val="3195455118"/>
+        <p14:creationId xmlns:p14="http://schemas.microsoft.com/office/powerpoint/2010/main" xmlns="" val="3195455118"/>
       </p:ext>
     </p:extLst>
   </p:cSld>
@@ -593,7 +593,7 @@
             <a:fld id="{30205149-083B-4E52-BE45-474D1FA26F91}" type="datetimeFigureOut">
               <a:rPr lang="ko-KR" altLang="en-US" smtClean="0"/>
               <a:pPr/>
-              <a:t>2016-05-30</a:t>
+              <a:t>2016-05-31</a:t>
             </a:fld>
             <a:endParaRPr lang="ko-KR" altLang="en-US"/>
           </a:p>
@@ -645,7 +645,7 @@
     </p:spTree>
     <p:extLst>
       <p:ext uri="{BB962C8B-B14F-4D97-AF65-F5344CB8AC3E}">
-        <p14:creationId xmlns="" xmlns:p14="http://schemas.microsoft.com/office/powerpoint/2010/main" val="4002175761"/>
+        <p14:creationId xmlns:p14="http://schemas.microsoft.com/office/powerpoint/2010/main" xmlns="" val="4002175761"/>
       </p:ext>
     </p:extLst>
   </p:cSld>
@@ -765,7 +765,7 @@
             <a:fld id="{30205149-083B-4E52-BE45-474D1FA26F91}" type="datetimeFigureOut">
               <a:rPr lang="ko-KR" altLang="en-US" smtClean="0"/>
               <a:pPr/>
-              <a:t>2016-05-30</a:t>
+              <a:t>2016-05-31</a:t>
             </a:fld>
             <a:endParaRPr lang="ko-KR" altLang="en-US"/>
           </a:p>
@@ -817,7 +817,7 @@
     </p:spTree>
     <p:extLst>
       <p:ext uri="{BB962C8B-B14F-4D97-AF65-F5344CB8AC3E}">
-        <p14:creationId xmlns="" xmlns:p14="http://schemas.microsoft.com/office/powerpoint/2010/main" val="4108581278"/>
+        <p14:creationId xmlns:p14="http://schemas.microsoft.com/office/powerpoint/2010/main" xmlns="" val="4108581278"/>
       </p:ext>
     </p:extLst>
   </p:cSld>
@@ -1013,7 +1013,7 @@
             <a:fld id="{30205149-083B-4E52-BE45-474D1FA26F91}" type="datetimeFigureOut">
               <a:rPr lang="ko-KR" altLang="en-US" smtClean="0"/>
               <a:pPr/>
-              <a:t>2016-05-30</a:t>
+              <a:t>2016-05-31</a:t>
             </a:fld>
             <a:endParaRPr lang="ko-KR" altLang="en-US"/>
           </a:p>
@@ -1065,7 +1065,7 @@
     </p:spTree>
     <p:extLst>
       <p:ext uri="{BB962C8B-B14F-4D97-AF65-F5344CB8AC3E}">
-        <p14:creationId xmlns="" xmlns:p14="http://schemas.microsoft.com/office/powerpoint/2010/main" val="3230380503"/>
+        <p14:creationId xmlns:p14="http://schemas.microsoft.com/office/powerpoint/2010/main" xmlns="" val="3230380503"/>
       </p:ext>
     </p:extLst>
   </p:cSld>
@@ -1247,7 +1247,7 @@
             <a:fld id="{30205149-083B-4E52-BE45-474D1FA26F91}" type="datetimeFigureOut">
               <a:rPr lang="ko-KR" altLang="en-US" smtClean="0"/>
               <a:pPr/>
-              <a:t>2016-05-30</a:t>
+              <a:t>2016-05-31</a:t>
             </a:fld>
             <a:endParaRPr lang="ko-KR" altLang="en-US"/>
           </a:p>
@@ -1299,7 +1299,7 @@
     </p:spTree>
     <p:extLst>
       <p:ext uri="{BB962C8B-B14F-4D97-AF65-F5344CB8AC3E}">
-        <p14:creationId xmlns="" xmlns:p14="http://schemas.microsoft.com/office/powerpoint/2010/main" val="2099394712"/>
+        <p14:creationId xmlns:p14="http://schemas.microsoft.com/office/powerpoint/2010/main" xmlns="" val="2099394712"/>
       </p:ext>
     </p:extLst>
   </p:cSld>
@@ -1616,7 +1616,7 @@
             <a:fld id="{30205149-083B-4E52-BE45-474D1FA26F91}" type="datetimeFigureOut">
               <a:rPr lang="ko-KR" altLang="en-US" smtClean="0"/>
               <a:pPr/>
-              <a:t>2016-05-30</a:t>
+              <a:t>2016-05-31</a:t>
             </a:fld>
             <a:endParaRPr lang="ko-KR" altLang="en-US"/>
           </a:p>
@@ -1668,7 +1668,7 @@
     </p:spTree>
     <p:extLst>
       <p:ext uri="{BB962C8B-B14F-4D97-AF65-F5344CB8AC3E}">
-        <p14:creationId xmlns="" xmlns:p14="http://schemas.microsoft.com/office/powerpoint/2010/main" val="3427806016"/>
+        <p14:creationId xmlns:p14="http://schemas.microsoft.com/office/powerpoint/2010/main" xmlns="" val="3427806016"/>
       </p:ext>
     </p:extLst>
   </p:cSld>
@@ -1736,7 +1736,7 @@
             <a:fld id="{30205149-083B-4E52-BE45-474D1FA26F91}" type="datetimeFigureOut">
               <a:rPr lang="ko-KR" altLang="en-US" smtClean="0"/>
               <a:pPr/>
-              <a:t>2016-05-30</a:t>
+              <a:t>2016-05-31</a:t>
             </a:fld>
             <a:endParaRPr lang="ko-KR" altLang="en-US"/>
           </a:p>
@@ -1788,7 +1788,7 @@
     </p:spTree>
     <p:extLst>
       <p:ext uri="{BB962C8B-B14F-4D97-AF65-F5344CB8AC3E}">
-        <p14:creationId xmlns="" xmlns:p14="http://schemas.microsoft.com/office/powerpoint/2010/main" val="3909853067"/>
+        <p14:creationId xmlns:p14="http://schemas.microsoft.com/office/powerpoint/2010/main" xmlns="" val="3909853067"/>
       </p:ext>
     </p:extLst>
   </p:cSld>
@@ -1833,7 +1833,7 @@
             <a:fld id="{30205149-083B-4E52-BE45-474D1FA26F91}" type="datetimeFigureOut">
               <a:rPr lang="ko-KR" altLang="en-US" smtClean="0"/>
               <a:pPr/>
-              <a:t>2016-05-30</a:t>
+              <a:t>2016-05-31</a:t>
             </a:fld>
             <a:endParaRPr lang="ko-KR" altLang="en-US"/>
           </a:p>
@@ -1885,7 +1885,7 @@
     </p:spTree>
     <p:extLst>
       <p:ext uri="{BB962C8B-B14F-4D97-AF65-F5344CB8AC3E}">
-        <p14:creationId xmlns="" xmlns:p14="http://schemas.microsoft.com/office/powerpoint/2010/main" val="4109677765"/>
+        <p14:creationId xmlns:p14="http://schemas.microsoft.com/office/powerpoint/2010/main" xmlns="" val="4109677765"/>
       </p:ext>
     </p:extLst>
   </p:cSld>
@@ -2112,7 +2112,7 @@
             <a:fld id="{30205149-083B-4E52-BE45-474D1FA26F91}" type="datetimeFigureOut">
               <a:rPr lang="ko-KR" altLang="en-US" smtClean="0"/>
               <a:pPr/>
-              <a:t>2016-05-30</a:t>
+              <a:t>2016-05-31</a:t>
             </a:fld>
             <a:endParaRPr lang="ko-KR" altLang="en-US"/>
           </a:p>
@@ -2164,7 +2164,7 @@
     </p:spTree>
     <p:extLst>
       <p:ext uri="{BB962C8B-B14F-4D97-AF65-F5344CB8AC3E}">
-        <p14:creationId xmlns="" xmlns:p14="http://schemas.microsoft.com/office/powerpoint/2010/main" val="3995861707"/>
+        <p14:creationId xmlns:p14="http://schemas.microsoft.com/office/powerpoint/2010/main" xmlns="" val="3995861707"/>
       </p:ext>
     </p:extLst>
   </p:cSld>
@@ -2367,7 +2367,7 @@
             <a:fld id="{30205149-083B-4E52-BE45-474D1FA26F91}" type="datetimeFigureOut">
               <a:rPr lang="ko-KR" altLang="en-US" smtClean="0"/>
               <a:pPr/>
-              <a:t>2016-05-30</a:t>
+              <a:t>2016-05-31</a:t>
             </a:fld>
             <a:endParaRPr lang="ko-KR" altLang="en-US"/>
           </a:p>
@@ -2419,7 +2419,7 @@
     </p:spTree>
     <p:extLst>
       <p:ext uri="{BB962C8B-B14F-4D97-AF65-F5344CB8AC3E}">
-        <p14:creationId xmlns="" xmlns:p14="http://schemas.microsoft.com/office/powerpoint/2010/main" val="76588660"/>
+        <p14:creationId xmlns:p14="http://schemas.microsoft.com/office/powerpoint/2010/main" xmlns="" val="76588660"/>
       </p:ext>
     </p:extLst>
   </p:cSld>
@@ -2582,7 +2582,7 @@
             <a:fld id="{30205149-083B-4E52-BE45-474D1FA26F91}" type="datetimeFigureOut">
               <a:rPr lang="ko-KR" altLang="en-US" smtClean="0"/>
               <a:pPr/>
-              <a:t>2016-05-30</a:t>
+              <a:t>2016-05-31</a:t>
             </a:fld>
             <a:endParaRPr lang="ko-KR" altLang="en-US"/>
           </a:p>
@@ -2670,7 +2670,7 @@
     </p:spTree>
     <p:extLst>
       <p:ext uri="{BB962C8B-B14F-4D97-AF65-F5344CB8AC3E}">
-        <p14:creationId xmlns="" xmlns:p14="http://schemas.microsoft.com/office/powerpoint/2010/main" val="3834721640"/>
+        <p14:creationId xmlns:p14="http://schemas.microsoft.com/office/powerpoint/2010/main" xmlns="" val="3834721640"/>
       </p:ext>
     </p:extLst>
   </p:cSld>
@@ -3038,15 +3038,7 @@
                   <a:schemeClr val="tx1"/>
                 </a:solidFill>
               </a:rPr>
-              <a:t>강의 평가 </a:t>
-            </a:r>
-            <a:r>
-              <a:rPr lang="ko-KR" altLang="en-US" sz="1100" dirty="0" smtClean="0">
-                <a:solidFill>
-                  <a:schemeClr val="tx1"/>
-                </a:solidFill>
-              </a:rPr>
-              <a:t>질문 등록</a:t>
+              <a:t>강의 평가 질문 등록</a:t>
             </a:r>
             <a:endParaRPr lang="en-US" altLang="ko-KR" sz="1100" dirty="0">
               <a:solidFill>
@@ -3397,7 +3389,23 @@
                   <a:schemeClr val="tx1"/>
                 </a:solidFill>
               </a:rPr>
-              <a:t>강의평가 질문 등록 정보 입력</a:t>
+              <a:t>강의평가 질문 </a:t>
+            </a:r>
+            <a:r>
+              <a:rPr lang="ko-KR" altLang="en-US" sz="1100" dirty="0" smtClean="0">
+                <a:solidFill>
+                  <a:schemeClr val="tx1"/>
+                </a:solidFill>
+              </a:rPr>
+              <a:t>등록 대상 </a:t>
+            </a:r>
+            <a:r>
+              <a:rPr lang="ko-KR" altLang="en-US" sz="1100" dirty="0" smtClean="0">
+                <a:solidFill>
+                  <a:schemeClr val="tx1"/>
+                </a:solidFill>
+              </a:rPr>
+              <a:t>정보 입력</a:t>
             </a:r>
             <a:endParaRPr lang="en-US" altLang="ko-KR" sz="1100" dirty="0">
               <a:solidFill>
@@ -3415,7 +3423,7 @@
         </p:nvSpPr>
         <p:spPr>
           <a:xfrm>
-            <a:off x="4017055" y="4700524"/>
+            <a:off x="3990551" y="4700524"/>
             <a:ext cx="1556992" cy="726131"/>
           </a:xfrm>
           <a:prstGeom prst="rect">
@@ -3457,7 +3465,31 @@
                   <a:schemeClr val="tx1"/>
                 </a:solidFill>
               </a:rPr>
-              <a:t>강의평가 질문 정보 등록 </a:t>
+              <a:t>강의평가 질문 </a:t>
+            </a:r>
+            <a:r>
+              <a:rPr lang="ko-KR" altLang="en-US" sz="1100" dirty="0" smtClean="0">
+                <a:solidFill>
+                  <a:schemeClr val="tx1"/>
+                </a:solidFill>
+              </a:rPr>
+              <a:t>등록 대상 </a:t>
+            </a:r>
+            <a:r>
+              <a:rPr lang="ko-KR" altLang="en-US" sz="1100" dirty="0" smtClean="0">
+                <a:solidFill>
+                  <a:schemeClr val="tx1"/>
+                </a:solidFill>
+              </a:rPr>
+              <a:t>정보 저</a:t>
+            </a:r>
+            <a:r>
+              <a:rPr lang="ko-KR" altLang="en-US" sz="1100" dirty="0" smtClean="0">
+                <a:solidFill>
+                  <a:schemeClr val="tx1"/>
+                </a:solidFill>
+              </a:rPr>
+              <a:t>장</a:t>
             </a:r>
             <a:endParaRPr lang="en-US" altLang="ko-KR" sz="1100" dirty="0">
               <a:solidFill>
@@ -3515,8 +3547,8 @@
         </p:nvCxnSpPr>
         <p:spPr>
           <a:xfrm flipH="1">
-            <a:off x="4795551" y="3650872"/>
-            <a:ext cx="848128" cy="1049652"/>
+            <a:off x="4769047" y="3650872"/>
+            <a:ext cx="874632" cy="1049652"/>
           </a:xfrm>
           <a:prstGeom prst="straightConnector1">
             <a:avLst/>
@@ -4076,8 +4108,8 @@
         </p:nvSpPr>
         <p:spPr>
           <a:xfrm>
-            <a:off x="818431" y="4076635"/>
-            <a:ext cx="1390124" cy="246221"/>
+            <a:off x="208831" y="4156147"/>
+            <a:ext cx="1947969" cy="246221"/>
           </a:xfrm>
           <a:prstGeom prst="rect">
             <a:avLst/>
@@ -4099,9 +4131,18 @@
               <a:t>질문 </a:t>
             </a:r>
             <a:r>
-              <a:rPr lang="ko-KR" altLang="en-US" sz="1000" dirty="0"/>
-              <a:t>정보</a:t>
-            </a:r>
+              <a:rPr lang="ko-KR" altLang="en-US" sz="1000" dirty="0" smtClean="0"/>
+              <a:t>등록</a:t>
+            </a:r>
+            <a:r>
+              <a:rPr lang="en-US" altLang="ko-KR" sz="1000" dirty="0" smtClean="0"/>
+              <a:t> </a:t>
+            </a:r>
+            <a:r>
+              <a:rPr lang="ko-KR" altLang="en-US" sz="1000" dirty="0" smtClean="0"/>
+              <a:t>대상 정보</a:t>
+            </a:r>
+            <a:endParaRPr lang="ko-KR" altLang="en-US" sz="1000" dirty="0"/>
           </a:p>
         </p:txBody>
       </p:sp>
@@ -4209,8 +4250,8 @@
         </p:nvSpPr>
         <p:spPr>
           <a:xfrm>
-            <a:off x="3642298" y="3989151"/>
-            <a:ext cx="1300356" cy="246221"/>
+            <a:off x="3059210" y="3989151"/>
+            <a:ext cx="1903085" cy="246221"/>
           </a:xfrm>
           <a:prstGeom prst="rect">
             <a:avLst/>
@@ -4224,12 +4265,16 @@
           <a:lstStyle/>
           <a:p>
             <a:r>
-              <a:rPr lang="ko-KR" altLang="en-US" sz="1000" dirty="0" smtClean="0"/>
+              <a:rPr lang="ko-KR" altLang="en-US" sz="1000" smtClean="0"/>
               <a:t>강의평가 </a:t>
             </a:r>
             <a:r>
+              <a:rPr lang="ko-KR" altLang="en-US" sz="1000" smtClean="0"/>
+              <a:t>질문 등록 대상 </a:t>
+            </a:r>
+            <a:r>
               <a:rPr lang="ko-KR" altLang="en-US" sz="1000" dirty="0"/>
-              <a:t>질문 정보</a:t>
+              <a:t>정보</a:t>
             </a:r>
           </a:p>
         </p:txBody>
@@ -4510,8 +4555,8 @@
         </p:nvSpPr>
         <p:spPr>
           <a:xfrm>
-            <a:off x="2812879" y="1856894"/>
-            <a:ext cx="1390124" cy="246221"/>
+            <a:off x="2415319" y="1843642"/>
+            <a:ext cx="1947969" cy="246221"/>
           </a:xfrm>
           <a:prstGeom prst="rect">
             <a:avLst/>
@@ -4533,9 +4578,10 @@
               <a:t>질문 </a:t>
             </a:r>
             <a:r>
-              <a:rPr lang="ko-KR" altLang="en-US" sz="1000" dirty="0"/>
-              <a:t>정보</a:t>
-            </a:r>
+              <a:rPr lang="ko-KR" altLang="en-US" sz="1000" dirty="0" smtClean="0"/>
+              <a:t>등록 대상 정보</a:t>
+            </a:r>
+            <a:endParaRPr lang="ko-KR" altLang="en-US" sz="1000" dirty="0"/>
           </a:p>
         </p:txBody>
       </p:sp>
@@ -4643,8 +4689,8 @@
         </p:nvSpPr>
         <p:spPr>
           <a:xfrm>
-            <a:off x="4085091" y="2453244"/>
-            <a:ext cx="1390124" cy="246221"/>
+            <a:off x="3528507" y="2453244"/>
+            <a:ext cx="1947969" cy="246221"/>
           </a:xfrm>
           <a:prstGeom prst="rect">
             <a:avLst/>
@@ -4666,9 +4712,10 @@
               <a:t>질문 </a:t>
             </a:r>
             <a:r>
-              <a:rPr lang="ko-KR" altLang="en-US" sz="1000" dirty="0"/>
-              <a:t>정보</a:t>
-            </a:r>
+              <a:rPr lang="ko-KR" altLang="en-US" sz="1000" dirty="0" smtClean="0"/>
+              <a:t>등록 대상 정보</a:t>
+            </a:r>
+            <a:endParaRPr lang="ko-KR" altLang="en-US" sz="1000" dirty="0"/>
           </a:p>
         </p:txBody>
       </p:sp>
@@ -5084,7 +5131,7 @@
     </p:spTree>
     <p:extLst>
       <p:ext uri="{BB962C8B-B14F-4D97-AF65-F5344CB8AC3E}">
-        <p14:creationId xmlns="" xmlns:p14="http://schemas.microsoft.com/office/powerpoint/2010/main" val="2621486014"/>
+        <p14:creationId xmlns:p14="http://schemas.microsoft.com/office/powerpoint/2010/main" xmlns="" val="2621486014"/>
       </p:ext>
     </p:extLst>
   </p:cSld>
@@ -5349,7 +5396,7 @@
   <a:extraClrSchemeLst/>
   <a:extLst>
     <a:ext uri="{05A4C25C-085E-4340-85A3-A5531E510DB2}">
-      <thm15:themeFamily xmlns="" xmlns:thm15="http://schemas.microsoft.com/office/thememl/2012/main" name="Office Theme" id="{62F939B6-93AF-4DB8-9C6B-D6C7DFDC589F}" vid="{4A3C46E8-61CC-4603-A589-7422A47A8E4A}"/>
+      <thm15:themeFamily xmlns:thm15="http://schemas.microsoft.com/office/thememl/2012/main" xmlns="" name="Office Theme" id="{62F939B6-93AF-4DB8-9C6B-D6C7DFDC589F}" vid="{4A3C46E8-61CC-4603-A589-7422A47A8E4A}"/>
     </a:ext>
   </a:extLst>
 </a:theme>

--- a/SDD 관련 자료/작업 결과물/프로그램 구조도(트랜스폼, 트랜젝션)/강의평가 질문 등록.pptx
+++ b/SDD 관련 자료/작업 결과물/프로그램 구조도(트랜스폼, 트랜젝션)/강의평가 질문 등록.pptx
@@ -291,7 +291,7 @@
     </p:spTree>
     <p:extLst>
       <p:ext uri="{BB962C8B-B14F-4D97-AF65-F5344CB8AC3E}">
-        <p14:creationId xmlns:p14="http://schemas.microsoft.com/office/powerpoint/2010/main" xmlns="" val="2890621274"/>
+        <p14:creationId xmlns="" xmlns:p14="http://schemas.microsoft.com/office/powerpoint/2010/main" val="2890621274"/>
       </p:ext>
     </p:extLst>
   </p:cSld>
@@ -463,7 +463,7 @@
     </p:spTree>
     <p:extLst>
       <p:ext uri="{BB962C8B-B14F-4D97-AF65-F5344CB8AC3E}">
-        <p14:creationId xmlns:p14="http://schemas.microsoft.com/office/powerpoint/2010/main" xmlns="" val="3195455118"/>
+        <p14:creationId xmlns="" xmlns:p14="http://schemas.microsoft.com/office/powerpoint/2010/main" val="3195455118"/>
       </p:ext>
     </p:extLst>
   </p:cSld>
@@ -645,7 +645,7 @@
     </p:spTree>
     <p:extLst>
       <p:ext uri="{BB962C8B-B14F-4D97-AF65-F5344CB8AC3E}">
-        <p14:creationId xmlns:p14="http://schemas.microsoft.com/office/powerpoint/2010/main" xmlns="" val="4002175761"/>
+        <p14:creationId xmlns="" xmlns:p14="http://schemas.microsoft.com/office/powerpoint/2010/main" val="4002175761"/>
       </p:ext>
     </p:extLst>
   </p:cSld>
@@ -817,7 +817,7 @@
     </p:spTree>
     <p:extLst>
       <p:ext uri="{BB962C8B-B14F-4D97-AF65-F5344CB8AC3E}">
-        <p14:creationId xmlns:p14="http://schemas.microsoft.com/office/powerpoint/2010/main" xmlns="" val="4108581278"/>
+        <p14:creationId xmlns="" xmlns:p14="http://schemas.microsoft.com/office/powerpoint/2010/main" val="4108581278"/>
       </p:ext>
     </p:extLst>
   </p:cSld>
@@ -1065,7 +1065,7 @@
     </p:spTree>
     <p:extLst>
       <p:ext uri="{BB962C8B-B14F-4D97-AF65-F5344CB8AC3E}">
-        <p14:creationId xmlns:p14="http://schemas.microsoft.com/office/powerpoint/2010/main" xmlns="" val="3230380503"/>
+        <p14:creationId xmlns="" xmlns:p14="http://schemas.microsoft.com/office/powerpoint/2010/main" val="3230380503"/>
       </p:ext>
     </p:extLst>
   </p:cSld>
@@ -1299,7 +1299,7 @@
     </p:spTree>
     <p:extLst>
       <p:ext uri="{BB962C8B-B14F-4D97-AF65-F5344CB8AC3E}">
-        <p14:creationId xmlns:p14="http://schemas.microsoft.com/office/powerpoint/2010/main" xmlns="" val="2099394712"/>
+        <p14:creationId xmlns="" xmlns:p14="http://schemas.microsoft.com/office/powerpoint/2010/main" val="2099394712"/>
       </p:ext>
     </p:extLst>
   </p:cSld>
@@ -1668,7 +1668,7 @@
     </p:spTree>
     <p:extLst>
       <p:ext uri="{BB962C8B-B14F-4D97-AF65-F5344CB8AC3E}">
-        <p14:creationId xmlns:p14="http://schemas.microsoft.com/office/powerpoint/2010/main" xmlns="" val="3427806016"/>
+        <p14:creationId xmlns="" xmlns:p14="http://schemas.microsoft.com/office/powerpoint/2010/main" val="3427806016"/>
       </p:ext>
     </p:extLst>
   </p:cSld>
@@ -1788,7 +1788,7 @@
     </p:spTree>
     <p:extLst>
       <p:ext uri="{BB962C8B-B14F-4D97-AF65-F5344CB8AC3E}">
-        <p14:creationId xmlns:p14="http://schemas.microsoft.com/office/powerpoint/2010/main" xmlns="" val="3909853067"/>
+        <p14:creationId xmlns="" xmlns:p14="http://schemas.microsoft.com/office/powerpoint/2010/main" val="3909853067"/>
       </p:ext>
     </p:extLst>
   </p:cSld>
@@ -1885,7 +1885,7 @@
     </p:spTree>
     <p:extLst>
       <p:ext uri="{BB962C8B-B14F-4D97-AF65-F5344CB8AC3E}">
-        <p14:creationId xmlns:p14="http://schemas.microsoft.com/office/powerpoint/2010/main" xmlns="" val="4109677765"/>
+        <p14:creationId xmlns="" xmlns:p14="http://schemas.microsoft.com/office/powerpoint/2010/main" val="4109677765"/>
       </p:ext>
     </p:extLst>
   </p:cSld>
@@ -2164,7 +2164,7 @@
     </p:spTree>
     <p:extLst>
       <p:ext uri="{BB962C8B-B14F-4D97-AF65-F5344CB8AC3E}">
-        <p14:creationId xmlns:p14="http://schemas.microsoft.com/office/powerpoint/2010/main" xmlns="" val="3995861707"/>
+        <p14:creationId xmlns="" xmlns:p14="http://schemas.microsoft.com/office/powerpoint/2010/main" val="3995861707"/>
       </p:ext>
     </p:extLst>
   </p:cSld>
@@ -2419,7 +2419,7 @@
     </p:spTree>
     <p:extLst>
       <p:ext uri="{BB962C8B-B14F-4D97-AF65-F5344CB8AC3E}">
-        <p14:creationId xmlns:p14="http://schemas.microsoft.com/office/powerpoint/2010/main" xmlns="" val="76588660"/>
+        <p14:creationId xmlns="" xmlns:p14="http://schemas.microsoft.com/office/powerpoint/2010/main" val="76588660"/>
       </p:ext>
     </p:extLst>
   </p:cSld>
@@ -2670,7 +2670,7 @@
     </p:spTree>
     <p:extLst>
       <p:ext uri="{BB962C8B-B14F-4D97-AF65-F5344CB8AC3E}">
-        <p14:creationId xmlns:p14="http://schemas.microsoft.com/office/powerpoint/2010/main" xmlns="" val="3834721640"/>
+        <p14:creationId xmlns="" xmlns:p14="http://schemas.microsoft.com/office/powerpoint/2010/main" val="3834721640"/>
       </p:ext>
     </p:extLst>
   </p:cSld>
@@ -3389,23 +3389,7 @@
                   <a:schemeClr val="tx1"/>
                 </a:solidFill>
               </a:rPr>
-              <a:t>강의평가 질문 </a:t>
-            </a:r>
-            <a:r>
-              <a:rPr lang="ko-KR" altLang="en-US" sz="1100" dirty="0" smtClean="0">
-                <a:solidFill>
-                  <a:schemeClr val="tx1"/>
-                </a:solidFill>
-              </a:rPr>
-              <a:t>등록 대상 </a:t>
-            </a:r>
-            <a:r>
-              <a:rPr lang="ko-KR" altLang="en-US" sz="1100" dirty="0" smtClean="0">
-                <a:solidFill>
-                  <a:schemeClr val="tx1"/>
-                </a:solidFill>
-              </a:rPr>
-              <a:t>정보 입력</a:t>
+              <a:t>강의평가 질문 등록 대상 정보 입력</a:t>
             </a:r>
             <a:endParaRPr lang="en-US" altLang="ko-KR" sz="1100" dirty="0">
               <a:solidFill>
@@ -3465,31 +3449,31 @@
                   <a:schemeClr val="tx1"/>
                 </a:solidFill>
               </a:rPr>
-              <a:t>강의평가 질문 </a:t>
-            </a:r>
-            <a:r>
-              <a:rPr lang="ko-KR" altLang="en-US" sz="1100" dirty="0" smtClean="0">
+              <a:t>강의평가 </a:t>
+            </a:r>
+            <a:r>
+              <a:rPr lang="ko-KR" altLang="en-US" sz="1100" smtClean="0">
                 <a:solidFill>
                   <a:schemeClr val="tx1"/>
                 </a:solidFill>
               </a:rPr>
-              <a:t>등록 대상 </a:t>
-            </a:r>
-            <a:r>
-              <a:rPr lang="ko-KR" altLang="en-US" sz="1100" dirty="0" smtClean="0">
+              <a:t>질문 </a:t>
+            </a:r>
+            <a:r>
+              <a:rPr lang="ko-KR" altLang="en-US" sz="1100" smtClean="0">
                 <a:solidFill>
                   <a:schemeClr val="tx1"/>
                 </a:solidFill>
               </a:rPr>
-              <a:t>정보 저</a:t>
-            </a:r>
-            <a:r>
-              <a:rPr lang="ko-KR" altLang="en-US" sz="1100" dirty="0" smtClean="0">
+              <a:t>대상 정보 </a:t>
+            </a:r>
+            <a:r>
+              <a:rPr lang="ko-KR" altLang="en-US" sz="1100" smtClean="0">
                 <a:solidFill>
                   <a:schemeClr val="tx1"/>
                 </a:solidFill>
               </a:rPr>
-              <a:t>장</a:t>
+              <a:t>등록 </a:t>
             </a:r>
             <a:endParaRPr lang="en-US" altLang="ko-KR" sz="1100" dirty="0">
               <a:solidFill>
@@ -4128,11 +4112,7 @@
             </a:r>
             <a:r>
               <a:rPr lang="ko-KR" altLang="en-US" sz="1000" dirty="0" smtClean="0"/>
-              <a:t>질문 </a:t>
-            </a:r>
-            <a:r>
-              <a:rPr lang="ko-KR" altLang="en-US" sz="1000" dirty="0" smtClean="0"/>
-              <a:t>등록</a:t>
+              <a:t>질문 등록</a:t>
             </a:r>
             <a:r>
               <a:rPr lang="en-US" altLang="ko-KR" sz="1000" dirty="0" smtClean="0"/>
@@ -4266,11 +4246,7 @@
           <a:p>
             <a:r>
               <a:rPr lang="ko-KR" altLang="en-US" sz="1000" smtClean="0"/>
-              <a:t>강의평가 </a:t>
-            </a:r>
-            <a:r>
-              <a:rPr lang="ko-KR" altLang="en-US" sz="1000" smtClean="0"/>
-              <a:t>질문 등록 대상 </a:t>
+              <a:t>강의평가 질문 등록 대상 </a:t>
             </a:r>
             <a:r>
               <a:rPr lang="ko-KR" altLang="en-US" sz="1000" dirty="0"/>
@@ -4575,11 +4551,7 @@
             </a:r>
             <a:r>
               <a:rPr lang="ko-KR" altLang="en-US" sz="1000" dirty="0" smtClean="0"/>
-              <a:t>질문 </a:t>
-            </a:r>
-            <a:r>
-              <a:rPr lang="ko-KR" altLang="en-US" sz="1000" dirty="0" smtClean="0"/>
-              <a:t>등록 대상 정보</a:t>
+              <a:t>질문 등록 대상 정보</a:t>
             </a:r>
             <a:endParaRPr lang="ko-KR" altLang="en-US" sz="1000" dirty="0"/>
           </a:p>
@@ -4709,11 +4681,7 @@
             </a:r>
             <a:r>
               <a:rPr lang="ko-KR" altLang="en-US" sz="1000" dirty="0" smtClean="0"/>
-              <a:t>질문 </a:t>
-            </a:r>
-            <a:r>
-              <a:rPr lang="ko-KR" altLang="en-US" sz="1000" dirty="0" smtClean="0"/>
-              <a:t>등록 대상 정보</a:t>
+              <a:t>질문 등록 대상 정보</a:t>
             </a:r>
             <a:endParaRPr lang="ko-KR" altLang="en-US" sz="1000" dirty="0"/>
           </a:p>
@@ -5131,7 +5099,7 @@
     </p:spTree>
     <p:extLst>
       <p:ext uri="{BB962C8B-B14F-4D97-AF65-F5344CB8AC3E}">
-        <p14:creationId xmlns:p14="http://schemas.microsoft.com/office/powerpoint/2010/main" xmlns="" val="2621486014"/>
+        <p14:creationId xmlns="" xmlns:p14="http://schemas.microsoft.com/office/powerpoint/2010/main" val="2621486014"/>
       </p:ext>
     </p:extLst>
   </p:cSld>
@@ -5396,7 +5364,7 @@
   <a:extraClrSchemeLst/>
   <a:extLst>
     <a:ext uri="{05A4C25C-085E-4340-85A3-A5531E510DB2}">
-      <thm15:themeFamily xmlns:thm15="http://schemas.microsoft.com/office/thememl/2012/main" xmlns="" name="Office Theme" id="{62F939B6-93AF-4DB8-9C6B-D6C7DFDC589F}" vid="{4A3C46E8-61CC-4603-A589-7422A47A8E4A}"/>
+      <thm15:themeFamily xmlns="" xmlns:thm15="http://schemas.microsoft.com/office/thememl/2012/main" name="Office Theme" id="{62F939B6-93AF-4DB8-9C6B-D6C7DFDC589F}" vid="{4A3C46E8-61CC-4603-A589-7422A47A8E4A}"/>
     </a:ext>
   </a:extLst>
 </a:theme>
